--- a/session7/presentation/Closures_And_Generators.pptx
+++ b/session7/presentation/Closures_And_Generators.pptx
@@ -283,7 +283,7 @@
           <a:p>
             <a:fld id="{1139FA4A-C808-4981-8BA9-64217A6CCEA7}" type="datetimeFigureOut">
               <a:rPr lang="en-US" smtClean="0"/>
-              <a:t>3/13/2018</a:t>
+              <a:t>3/26/2018</a:t>
             </a:fld>
             <a:endParaRPr lang="en-US"/>
           </a:p>
@@ -451,7 +451,7 @@
           <a:p>
             <a:fld id="{1139FA4A-C808-4981-8BA9-64217A6CCEA7}" type="datetimeFigureOut">
               <a:rPr lang="en-US" smtClean="0"/>
-              <a:t>3/13/2018</a:t>
+              <a:t>3/26/2018</a:t>
             </a:fld>
             <a:endParaRPr lang="en-US"/>
           </a:p>
@@ -629,7 +629,7 @@
           <a:p>
             <a:fld id="{1139FA4A-C808-4981-8BA9-64217A6CCEA7}" type="datetimeFigureOut">
               <a:rPr lang="en-US" smtClean="0"/>
-              <a:t>3/13/2018</a:t>
+              <a:t>3/26/2018</a:t>
             </a:fld>
             <a:endParaRPr lang="en-US"/>
           </a:p>
@@ -797,7 +797,7 @@
           <a:p>
             <a:fld id="{1139FA4A-C808-4981-8BA9-64217A6CCEA7}" type="datetimeFigureOut">
               <a:rPr lang="en-US" smtClean="0"/>
-              <a:t>3/13/2018</a:t>
+              <a:t>3/26/2018</a:t>
             </a:fld>
             <a:endParaRPr lang="en-US"/>
           </a:p>
@@ -1042,7 +1042,7 @@
           <a:p>
             <a:fld id="{1139FA4A-C808-4981-8BA9-64217A6CCEA7}" type="datetimeFigureOut">
               <a:rPr lang="en-US" smtClean="0"/>
-              <a:t>3/13/2018</a:t>
+              <a:t>3/26/2018</a:t>
             </a:fld>
             <a:endParaRPr lang="en-US"/>
           </a:p>
@@ -1271,7 +1271,7 @@
           <a:p>
             <a:fld id="{1139FA4A-C808-4981-8BA9-64217A6CCEA7}" type="datetimeFigureOut">
               <a:rPr lang="en-US" smtClean="0"/>
-              <a:t>3/13/2018</a:t>
+              <a:t>3/26/2018</a:t>
             </a:fld>
             <a:endParaRPr lang="en-US"/>
           </a:p>
@@ -1635,7 +1635,7 @@
           <a:p>
             <a:fld id="{1139FA4A-C808-4981-8BA9-64217A6CCEA7}" type="datetimeFigureOut">
               <a:rPr lang="en-US" smtClean="0"/>
-              <a:t>3/13/2018</a:t>
+              <a:t>3/26/2018</a:t>
             </a:fld>
             <a:endParaRPr lang="en-US"/>
           </a:p>
@@ -1752,7 +1752,7 @@
           <a:p>
             <a:fld id="{1139FA4A-C808-4981-8BA9-64217A6CCEA7}" type="datetimeFigureOut">
               <a:rPr lang="en-US" smtClean="0"/>
-              <a:t>3/13/2018</a:t>
+              <a:t>3/26/2018</a:t>
             </a:fld>
             <a:endParaRPr lang="en-US"/>
           </a:p>
@@ -1847,7 +1847,7 @@
           <a:p>
             <a:fld id="{1139FA4A-C808-4981-8BA9-64217A6CCEA7}" type="datetimeFigureOut">
               <a:rPr lang="en-US" smtClean="0"/>
-              <a:t>3/13/2018</a:t>
+              <a:t>3/26/2018</a:t>
             </a:fld>
             <a:endParaRPr lang="en-US"/>
           </a:p>
@@ -2122,7 +2122,7 @@
           <a:p>
             <a:fld id="{1139FA4A-C808-4981-8BA9-64217A6CCEA7}" type="datetimeFigureOut">
               <a:rPr lang="en-US" smtClean="0"/>
-              <a:t>3/13/2018</a:t>
+              <a:t>3/26/2018</a:t>
             </a:fld>
             <a:endParaRPr lang="en-US"/>
           </a:p>
@@ -2374,7 +2374,7 @@
           <a:p>
             <a:fld id="{1139FA4A-C808-4981-8BA9-64217A6CCEA7}" type="datetimeFigureOut">
               <a:rPr lang="en-US" smtClean="0"/>
-              <a:t>3/13/2018</a:t>
+              <a:t>3/26/2018</a:t>
             </a:fld>
             <a:endParaRPr lang="en-US"/>
           </a:p>
@@ -2585,7 +2585,7 @@
           <a:p>
             <a:fld id="{1139FA4A-C808-4981-8BA9-64217A6CCEA7}" type="datetimeFigureOut">
               <a:rPr lang="en-US" smtClean="0"/>
-              <a:t>3/13/2018</a:t>
+              <a:t>3/26/2018</a:t>
             </a:fld>
             <a:endParaRPr lang="en-US"/>
           </a:p>
@@ -9437,15 +9437,6 @@
               </a:rPr>
               <a:t>A File Of Patterns</a:t>
             </a:r>
-            <a:endParaRPr lang="en-US" b="1" dirty="0">
-              <a:effectLst>
-                <a:outerShdw blurRad="38100" dist="38100" dir="2700000" algn="tl">
-                  <a:srgbClr val="000000">
-                    <a:alpha val="43137"/>
-                  </a:srgbClr>
-                </a:outerShdw>
-              </a:effectLst>
-            </a:endParaRPr>
           </a:p>
         </p:txBody>
       </p:sp>
@@ -9504,11 +9495,7 @@
             </a:pPr>
             <a:r>
               <a:rPr lang="en-US" sz="2000" dirty="0"/>
-              <a:t>First, let’s create a text file that contains the rules you want. No fancy data structures, just whitespace-delimited strings in three columns. </a:t>
-            </a:r>
-            <a:r>
-              <a:rPr lang="en-US" sz="2000" dirty="0"/>
-              <a:t>Let’s call it </a:t>
+              <a:t>First, let’s create a text file that contains the rules you want. No fancy data structures, just whitespace-delimited strings in three columns. Let’s call it </a:t>
             </a:r>
             <a:r>
               <a:rPr lang="en-US" sz="2000" b="1" i="1" dirty="0">
@@ -9742,15 +9729,6 @@
               </a:rPr>
               <a:t>A File Of Patterns</a:t>
             </a:r>
-            <a:endParaRPr lang="en-US" b="1" dirty="0">
-              <a:effectLst>
-                <a:outerShdw blurRad="38100" dist="38100" dir="2700000" algn="tl">
-                  <a:srgbClr val="000000">
-                    <a:alpha val="43137"/>
-                  </a:srgbClr>
-                </a:outerShdw>
-              </a:effectLst>
-            </a:endParaRPr>
           </a:p>
         </p:txBody>
       </p:sp>
@@ -9784,7 +9762,6 @@
               <a:rPr lang="en-US" sz="2000" dirty="0"/>
               <a:t>Now let’s see how you can use this rules file. </a:t>
             </a:r>
-            <a:endParaRPr lang="en-US" sz="2000" dirty="0"/>
           </a:p>
         </p:txBody>
       </p:sp>
@@ -9989,15 +9966,6 @@
               </a:rPr>
               <a:t>A File Of Patterns</a:t>
             </a:r>
-            <a:endParaRPr lang="en-US" b="1" dirty="0">
-              <a:effectLst>
-                <a:outerShdw blurRad="38100" dist="38100" dir="2700000" algn="tl">
-                  <a:srgbClr val="000000">
-                    <a:alpha val="43137"/>
-                  </a:srgbClr>
-                </a:outerShdw>
-              </a:effectLst>
-            </a:endParaRPr>
           </a:p>
         </p:txBody>
       </p:sp>
@@ -10380,15 +10348,6 @@
               </a:rPr>
               <a:t>A File Of Patterns</a:t>
             </a:r>
-            <a:endParaRPr lang="en-US" b="1" dirty="0">
-              <a:effectLst>
-                <a:outerShdw blurRad="38100" dist="38100" dir="2700000" algn="tl">
-                  <a:srgbClr val="000000">
-                    <a:alpha val="43137"/>
-                  </a:srgbClr>
-                </a:outerShdw>
-              </a:effectLst>
-            </a:endParaRPr>
           </a:p>
         </p:txBody>
       </p:sp>
@@ -10982,15 +10941,6 @@
               </a:rPr>
               <a:t>Generators</a:t>
             </a:r>
-            <a:endParaRPr lang="en-US" b="1" dirty="0">
-              <a:effectLst>
-                <a:outerShdw blurRad="38100" dist="38100" dir="2700000" algn="tl">
-                  <a:srgbClr val="000000">
-                    <a:alpha val="43137"/>
-                  </a:srgbClr>
-                </a:outerShdw>
-              </a:effectLst>
-            </a:endParaRPr>
           </a:p>
         </p:txBody>
       </p:sp>
@@ -11749,15 +11699,6 @@
               </a:rPr>
               <a:t>Generators</a:t>
             </a:r>
-            <a:endParaRPr lang="en-US" b="1" dirty="0">
-              <a:effectLst>
-                <a:outerShdw blurRad="38100" dist="38100" dir="2700000" algn="tl">
-                  <a:srgbClr val="000000">
-                    <a:alpha val="43137"/>
-                  </a:srgbClr>
-                </a:outerShdw>
-              </a:effectLst>
-            </a:endParaRPr>
           </a:p>
         </p:txBody>
       </p:sp>
@@ -11996,15 +11937,6 @@
               </a:rPr>
               <a:t>Generators</a:t>
             </a:r>
-            <a:endParaRPr lang="en-US" b="1" dirty="0">
-              <a:effectLst>
-                <a:outerShdw blurRad="38100" dist="38100" dir="2700000" algn="tl">
-                  <a:srgbClr val="000000">
-                    <a:alpha val="43137"/>
-                  </a:srgbClr>
-                </a:outerShdw>
-              </a:effectLst>
-            </a:endParaRPr>
           </a:p>
         </p:txBody>
       </p:sp>
@@ -12365,15 +12297,6 @@
               </a:rPr>
               <a:t>Generators</a:t>
             </a:r>
-            <a:endParaRPr lang="en-US" b="1" dirty="0">
-              <a:effectLst>
-                <a:outerShdw blurRad="38100" dist="38100" dir="2700000" algn="tl">
-                  <a:srgbClr val="000000">
-                    <a:alpha val="43137"/>
-                  </a:srgbClr>
-                </a:outerShdw>
-              </a:effectLst>
-            </a:endParaRPr>
           </a:p>
         </p:txBody>
       </p:sp>
@@ -12550,15 +12473,7 @@
             </a:r>
             <a:r>
               <a:rPr lang="en-US" sz="2000" dirty="0"/>
-              <a:t> statement, then returns the value that was </a:t>
-            </a:r>
-            <a:r>
-              <a:rPr lang="en-US" sz="2000" dirty="0"/>
-              <a:t>yielded</a:t>
-            </a:r>
-            <a:r>
-              <a:rPr lang="en-US" sz="2000" dirty="0"/>
-              <a:t>. In this case, that will be </a:t>
+              <a:t> statement, then returns the value that was yielded. In this case, that will be </a:t>
             </a:r>
             <a:r>
               <a:rPr lang="en-US" sz="2000" b="1" i="1" dirty="0">
@@ -13057,15 +12972,6 @@
               </a:rPr>
               <a:t>A Fibonacci Generator</a:t>
             </a:r>
-            <a:endParaRPr lang="en-US" b="1" dirty="0">
-              <a:effectLst>
-                <a:outerShdw blurRad="38100" dist="38100" dir="2700000" algn="tl">
-                  <a:srgbClr val="000000">
-                    <a:alpha val="43137"/>
-                  </a:srgbClr>
-                </a:outerShdw>
-              </a:effectLst>
-            </a:endParaRPr>
           </a:p>
         </p:txBody>
       </p:sp>
@@ -13449,15 +13355,7 @@
             </a:r>
             <a:r>
               <a:rPr lang="en-US" sz="2000" dirty="0"/>
-              <a:t> (the sum of the previous </a:t>
-            </a:r>
-            <a:r>
-              <a:rPr lang="en-US" sz="2000" dirty="0"/>
-              <a:t>values</a:t>
-            </a:r>
-            <a:r>
-              <a:rPr lang="en-US" sz="2000" dirty="0"/>
-              <a:t> of </a:t>
+              <a:t> (the sum of the previous values of </a:t>
             </a:r>
             <a:r>
               <a:rPr lang="en-US" sz="2000" b="1" i="1" dirty="0">
@@ -13668,15 +13566,6 @@
               </a:rPr>
               <a:t>A Fibonacci Generator</a:t>
             </a:r>
-            <a:endParaRPr lang="en-US" b="1" dirty="0">
-              <a:effectLst>
-                <a:outerShdw blurRad="38100" dist="38100" dir="2700000" algn="tl">
-                  <a:srgbClr val="000000">
-                    <a:alpha val="43137"/>
-                  </a:srgbClr>
-                </a:outerShdw>
-              </a:effectLst>
-            </a:endParaRPr>
           </a:p>
         </p:txBody>
       </p:sp>
@@ -13928,15 +13817,6 @@
               </a:rPr>
               <a:t>A Fibonacci Generator</a:t>
             </a:r>
-            <a:endParaRPr lang="en-US" b="1" dirty="0">
-              <a:effectLst>
-                <a:outerShdw blurRad="38100" dist="38100" dir="2700000" algn="tl">
-                  <a:srgbClr val="000000">
-                    <a:alpha val="43137"/>
-                  </a:srgbClr>
-                </a:outerShdw>
-              </a:effectLst>
-            </a:endParaRPr>
           </a:p>
         </p:txBody>
       </p:sp>
@@ -14048,15 +13928,7 @@
             </a:r>
             <a:r>
               <a:rPr lang="en-US" sz="2000" dirty="0"/>
-              <a:t> loop </a:t>
-            </a:r>
-            <a:r>
-              <a:rPr lang="en-US" sz="2000" dirty="0"/>
-              <a:t>index</a:t>
-            </a:r>
-            <a:r>
-              <a:rPr lang="en-US" sz="2000" dirty="0"/>
-              <a:t> variable (</a:t>
+              <a:t> loop index variable (</a:t>
             </a:r>
             <a:r>
               <a:rPr lang="en-US" sz="2000" b="1" i="1" dirty="0">
@@ -14433,15 +14305,6 @@
               </a:rPr>
               <a:t>A Plural Rule Generator</a:t>
             </a:r>
-            <a:endParaRPr lang="en-US" b="1" dirty="0">
-              <a:effectLst>
-                <a:outerShdw blurRad="38100" dist="38100" dir="2700000" algn="tl">
-                  <a:srgbClr val="000000">
-                    <a:alpha val="43137"/>
-                  </a:srgbClr>
-                </a:outerShdw>
-              </a:effectLst>
-            </a:endParaRPr>
           </a:p>
         </p:txBody>
       </p:sp>
@@ -14497,7 +14360,6 @@
               <a:rPr lang="en-US" sz="2000" dirty="0"/>
               <a:t>function works.</a:t>
             </a:r>
-            <a:endParaRPr lang="en-US" sz="2000" dirty="0"/>
           </a:p>
         </p:txBody>
       </p:sp>
@@ -14702,15 +14564,6 @@
               </a:rPr>
               <a:t>A Plural Rule Generator</a:t>
             </a:r>
-            <a:endParaRPr lang="en-US" b="1" dirty="0">
-              <a:effectLst>
-                <a:outerShdw blurRad="38100" dist="38100" dir="2700000" algn="tl">
-                  <a:srgbClr val="000000">
-                    <a:alpha val="43137"/>
-                  </a:srgbClr>
-                </a:outerShdw>
-              </a:effectLst>
-            </a:endParaRPr>
           </a:p>
         </p:txBody>
       </p:sp>
@@ -15219,15 +15072,6 @@
               </a:rPr>
               <a:t>A Plural Rule Generator</a:t>
             </a:r>
-            <a:endParaRPr lang="en-US" b="1" dirty="0">
-              <a:effectLst>
-                <a:outerShdw blurRad="38100" dist="38100" dir="2700000" algn="tl">
-                  <a:srgbClr val="000000">
-                    <a:alpha val="43137"/>
-                  </a:srgbClr>
-                </a:outerShdw>
-              </a:effectLst>
-            </a:endParaRPr>
           </a:p>
         </p:txBody>
       </p:sp>
@@ -15366,11 +15210,7 @@
             </a:r>
             <a:r>
               <a:rPr lang="en-US" sz="2000" dirty="0"/>
-              <a:t>! </a:t>
-            </a:r>
-            <a:r>
-              <a:rPr lang="en-US" sz="2000" dirty="0"/>
-              <a:t>Every time you call the </a:t>
+              <a:t>! Every time you call the </a:t>
             </a:r>
             <a:r>
               <a:rPr lang="en-US" sz="2000" b="1" i="1" dirty="0">
